--- a/PowerPoint/Presentation_template.pptx
+++ b/PowerPoint/Presentation_template.pptx
@@ -14118,7 +14118,7 @@
                 </a:solidFill>
                 <a:cs typeface="Arial" pitchFamily="34" charset="0"/>
               </a:rPr>
-              <a:t>. MSSV:</a:t>
+              <a:t>. MSSV: B1809724</a:t>
             </a:r>
             <a:endParaRPr lang="ko-KR" altLang="en-US" sz="2000" dirty="0">
               <a:solidFill>
